--- a/ppt/2017 E类paper presentation.pptx
+++ b/ppt/2017 E类paper presentation.pptx
@@ -13,6 +13,8 @@
     <p:sldId id="258" r:id="rId8"/>
     <p:sldId id="260" r:id="rId9"/>
     <p:sldId id="259" r:id="rId10"/>
+    <p:sldId id="270" r:id="rId11"/>
+    <p:sldId id="271" r:id="rId12"/>
   </p:sldIdLst>
   <p:sldSz cx="12192000" cy="6858000"/>
   <p:notesSz cx="6858000" cy="9144000"/>
@@ -2974,6 +2976,167 @@
 </p:sld>
 </file>
 
+<file path=ppt/slides/slide10.xml><?xml version="1.0" encoding="utf-8"?>
+<p:sld xmlns:a="http://schemas.openxmlformats.org/drawingml/2006/main" xmlns:r="http://schemas.openxmlformats.org/officeDocument/2006/relationships" xmlns:p="http://schemas.openxmlformats.org/presentationml/2006/main">
+  <p:cSld>
+    <p:spTree>
+      <p:nvGrpSpPr>
+        <p:cNvPr id="1" name=""/>
+        <p:cNvGrpSpPr/>
+        <p:nvPr/>
+      </p:nvGrpSpPr>
+      <p:grpSpPr/>
+      <p:sp>
+        <p:nvSpPr>
+          <p:cNvPr id="3" name="Text Box 2"/>
+          <p:cNvSpPr txBox="1"/>
+          <p:nvPr/>
+        </p:nvSpPr>
+        <p:spPr>
+          <a:xfrm>
+            <a:off x="711200" y="416560"/>
+            <a:ext cx="10528935" cy="5565140"/>
+          </a:xfrm>
+          <a:prstGeom prst="rect">
+            <a:avLst/>
+          </a:prstGeom>
+          <a:noFill/>
+        </p:spPr>
+        <p:txBody>
+          <a:bodyPr wrap="square" rtlCol="0" anchor="t">
+            <a:noAutofit/>
+          </a:bodyPr>
+          <a:p>
+            <a:r>
+              <a:rPr lang="en-US" sz="4000" b="1">
+                <a:cs typeface="+mn-lt"/>
+              </a:rPr>
+              <a:t>Weaknesses of the Model</a:t>
+            </a:r>
+            <a:endParaRPr lang="en-US" sz="4000" b="1">
+              <a:cs typeface="+mn-lt"/>
+            </a:endParaRPr>
+          </a:p>
+          <a:p>
+            <a:endParaRPr lang="en-US" sz="2400">
+              <a:cs typeface="+mn-lt"/>
+            </a:endParaRPr>
+          </a:p>
+          <a:p>
+            <a:pPr marL="342900" indent="-342900">
+              <a:buFont typeface="Arial" panose="020B0604020202020204" pitchFamily="34" charset="0"/>
+              <a:buChar char="•"/>
+            </a:pPr>
+            <a:r>
+              <a:rPr lang="en-US" sz="2400" b="1">
+                <a:cs typeface="+mn-lt"/>
+              </a:rPr>
+              <a:t>Lack of Detail: </a:t>
+            </a:r>
+            <a:r>
+              <a:rPr lang="en-US" sz="2400">
+                <a:cs typeface="+mn-lt"/>
+              </a:rPr>
+              <a:t>The model's simplicity limits its ability to provide a detailed analysis of a city's smart growth plan.</a:t>
+            </a:r>
+            <a:endParaRPr lang="en-US" sz="2400">
+              <a:cs typeface="+mn-lt"/>
+            </a:endParaRPr>
+          </a:p>
+          <a:p>
+            <a:pPr marL="342900" indent="-342900">
+              <a:buFont typeface="Arial" panose="020B0604020202020204" pitchFamily="34" charset="0"/>
+              <a:buChar char="•"/>
+            </a:pPr>
+            <a:r>
+              <a:rPr lang="en-US" sz="2400" b="1">
+                <a:cs typeface="+mn-lt"/>
+              </a:rPr>
+              <a:t>Limited Metrics: </a:t>
+            </a:r>
+            <a:r>
+              <a:rPr lang="en-US" sz="2400">
+                <a:cs typeface="+mn-lt"/>
+              </a:rPr>
+              <a:t>Currently, only five metrics are used to calculate the SGI, which may not capture the full complexity of a city's growth plan.</a:t>
+            </a:r>
+            <a:endParaRPr lang="en-US" sz="2400">
+              <a:cs typeface="+mn-lt"/>
+            </a:endParaRPr>
+          </a:p>
+          <a:p>
+            <a:pPr marL="342900" indent="-342900">
+              <a:buFont typeface="Arial" panose="020B0604020202020204" pitchFamily="34" charset="0"/>
+              <a:buChar char="•"/>
+            </a:pPr>
+            <a:r>
+              <a:rPr lang="en-US" sz="2400" b="1">
+                <a:cs typeface="+mn-lt"/>
+              </a:rPr>
+              <a:t>Potential Manipulation:</a:t>
+            </a:r>
+            <a:r>
+              <a:rPr lang="en-US" sz="2400">
+                <a:cs typeface="+mn-lt"/>
+              </a:rPr>
+              <a:t> Cities could potentially manipulate their SGI by focusing on improving one facet of their growth plan, leading to a false sense of smart growth.</a:t>
+            </a:r>
+            <a:endParaRPr lang="en-US" sz="2400">
+              <a:cs typeface="+mn-lt"/>
+            </a:endParaRPr>
+          </a:p>
+          <a:p>
+            <a:pPr marL="342900" indent="-342900">
+              <a:buFont typeface="Arial" panose="020B0604020202020204" pitchFamily="34" charset="0"/>
+              <a:buChar char="•"/>
+            </a:pPr>
+            <a:r>
+              <a:rPr lang="en-US" sz="2400" b="1">
+                <a:cs typeface="+mn-lt"/>
+              </a:rPr>
+              <a:t>Equal Ranking Assumption:</a:t>
+            </a:r>
+            <a:r>
+              <a:rPr lang="en-US" sz="2400">
+                <a:cs typeface="+mn-lt"/>
+              </a:rPr>
+              <a:t> The assumption of equal ranking of metrics and measures may not be appropriate in all cases and could be further refined through research.</a:t>
+            </a:r>
+            <a:endParaRPr lang="en-US" sz="2400">
+              <a:cs typeface="+mn-lt"/>
+            </a:endParaRPr>
+          </a:p>
+          <a:p>
+            <a:pPr marL="342900" indent="-342900">
+              <a:buFont typeface="Arial" panose="020B0604020202020204" pitchFamily="34" charset="0"/>
+              <a:buChar char="•"/>
+            </a:pPr>
+            <a:r>
+              <a:rPr lang="en-US" sz="2400" b="1">
+                <a:cs typeface="+mn-lt"/>
+              </a:rPr>
+              <a:t>Sensitivity to Measure Changes:</a:t>
+            </a:r>
+            <a:r>
+              <a:rPr lang="en-US" sz="2400">
+                <a:cs typeface="+mn-lt"/>
+              </a:rPr>
+              <a:t> While most metrics respond proportionally to changes in measures, Smart Development has less sensitivity, possibly due to its complexity with multiple factors.</a:t>
+            </a:r>
+            <a:endParaRPr lang="en-US" sz="2400">
+              <a:cs typeface="+mn-lt"/>
+            </a:endParaRPr>
+          </a:p>
+        </p:txBody>
+      </p:sp>
+    </p:spTree>
+  </p:cSld>
+  <p:clrMapOvr>
+    <a:masterClrMapping/>
+  </p:clrMapOvr>
+</p:sld>
+</file>
+
 <file path=ppt/slides/slide2.xml><?xml version="1.0" encoding="utf-8"?>
 <p:sld xmlns:a="http://schemas.openxmlformats.org/drawingml/2006/main" xmlns:r="http://schemas.openxmlformats.org/officeDocument/2006/relationships" xmlns:p="http://schemas.openxmlformats.org/presentationml/2006/main">
   <p:cSld>
@@ -3046,7 +3209,7 @@
         </p:nvSpPr>
         <p:spPr>
           <a:xfrm>
-            <a:off x="949960" y="2952115"/>
+            <a:off x="949960" y="2614295"/>
             <a:ext cx="10180955" cy="1630045"/>
           </a:xfrm>
           <a:prstGeom prst="rect">
@@ -3150,6 +3313,30 @@
           </a:p>
         </p:txBody>
       </p:sp>
+      <p:pic>
+        <p:nvPicPr>
+          <p:cNvPr id="3" name="Picture 2"/>
+          <p:cNvPicPr>
+            <a:picLocks noChangeAspect="1"/>
+          </p:cNvPicPr>
+          <p:nvPr/>
+        </p:nvPicPr>
+        <p:blipFill>
+          <a:blip r:embed="rId2"/>
+          <a:stretch>
+            <a:fillRect/>
+          </a:stretch>
+        </p:blipFill>
+        <p:spPr>
+          <a:xfrm>
+            <a:off x="1601470" y="3537585"/>
+            <a:ext cx="8665845" cy="2753360"/>
+          </a:xfrm>
+          <a:prstGeom prst="rect">
+            <a:avLst/>
+          </a:prstGeom>
+        </p:spPr>
+      </p:pic>
     </p:spTree>
   </p:cSld>
   <p:clrMapOvr>
@@ -3462,8 +3649,8 @@
         </p:nvSpPr>
         <p:spPr>
           <a:xfrm>
-            <a:off x="872067" y="872067"/>
-            <a:ext cx="9668933" cy="2308324"/>
+            <a:off x="871855" y="871855"/>
+            <a:ext cx="10217150" cy="2891790"/>
           </a:xfrm>
           <a:prstGeom prst="rect">
             <a:avLst/>
@@ -3477,56 +3664,277 @@
           <a:lstStyle/>
           <a:p>
             <a:r>
-              <a:rPr lang="zh-CN" altLang="en-US" dirty="0"/>
+              <a:rPr lang="zh-CN" altLang="en-US" sz="4400" b="1" dirty="0">
+                <a:latin typeface="Microsoft YaHei" panose="020B0503020204020204" charset="-122"/>
+                <a:ea typeface="Microsoft YaHei" panose="020B0503020204020204" charset="-122"/>
+                <a:cs typeface="Microsoft YaHei" panose="020B0503020204020204" charset="-122"/>
+              </a:rPr>
               <a:t>人口模型</a:t>
             </a:r>
             <a:r>
-              <a:rPr lang="en-MY" altLang="zh-CN" dirty="0"/>
+              <a:rPr lang="en-US" altLang="zh-CN" sz="4400" b="1" dirty="0">
+                <a:latin typeface="Microsoft YaHei" panose="020B0503020204020204" charset="-122"/>
+                <a:ea typeface="Microsoft YaHei" panose="020B0503020204020204" charset="-122"/>
+                <a:cs typeface="Microsoft YaHei" panose="020B0503020204020204" charset="-122"/>
+              </a:rPr>
+              <a:t> </a:t>
+            </a:r>
+            <a:r>
+              <a:rPr lang="en-MY" altLang="zh-CN" sz="4400" b="1" dirty="0">
+                <a:latin typeface="Microsoft YaHei" panose="020B0503020204020204" charset="-122"/>
+                <a:ea typeface="Microsoft YaHei" panose="020B0503020204020204" charset="-122"/>
+                <a:cs typeface="Microsoft YaHei" panose="020B0503020204020204" charset="-122"/>
+              </a:rPr>
               <a:t>2050</a:t>
             </a:r>
-            <a:endParaRPr lang="en-MY" altLang="zh-CN" dirty="0"/>
+            <a:endParaRPr lang="en-MY" altLang="zh-CN" sz="4400" b="1" dirty="0">
+              <a:latin typeface="Microsoft YaHei" panose="020B0503020204020204" charset="-122"/>
+              <a:ea typeface="Microsoft YaHei" panose="020B0503020204020204" charset="-122"/>
+              <a:cs typeface="Microsoft YaHei" panose="020B0503020204020204" charset="-122"/>
+            </a:endParaRPr>
           </a:p>
           <a:p>
             <a:endParaRPr lang="en-MY" dirty="0"/>
           </a:p>
           <a:p>
             <a:r>
-              <a:rPr lang="zh-CN" altLang="en-US" dirty="0"/>
+              <a:rPr lang="zh-CN" altLang="en-US" sz="2000" dirty="0">
+                <a:latin typeface="Microsoft YaHei" panose="020B0503020204020204" charset="-122"/>
+                <a:ea typeface="Microsoft YaHei" panose="020B0503020204020204" charset="-122"/>
+                <a:cs typeface="Microsoft YaHei" panose="020B0503020204020204" charset="-122"/>
+              </a:rPr>
               <a:t>为了支持和应付</a:t>
             </a:r>
             <a:r>
-              <a:rPr lang="en-MY" altLang="zh-CN" dirty="0"/>
+              <a:rPr lang="en-MY" altLang="zh-CN" sz="2000" dirty="0">
+                <a:latin typeface="Microsoft YaHei" panose="020B0503020204020204" charset="-122"/>
+                <a:ea typeface="Microsoft YaHei" panose="020B0503020204020204" charset="-122"/>
+                <a:cs typeface="Microsoft YaHei" panose="020B0503020204020204" charset="-122"/>
+              </a:rPr>
               <a:t>50%</a:t>
             </a:r>
             <a:r>
-              <a:rPr lang="zh-CN" altLang="en-US" dirty="0"/>
+              <a:rPr lang="zh-CN" altLang="en-US" sz="2000" dirty="0">
+                <a:latin typeface="Microsoft YaHei" panose="020B0503020204020204" charset="-122"/>
+                <a:ea typeface="Microsoft YaHei" panose="020B0503020204020204" charset="-122"/>
+                <a:cs typeface="Microsoft YaHei" panose="020B0503020204020204" charset="-122"/>
+              </a:rPr>
               <a:t>的人口增长的情况，需要着力发展能带给市民便利性的设施。首先，通过发展公共交通设施，除了能带给民众方便，也能减少交通废气和温室气体的排放。土地利用和住宅也能促进智能城市的发展，并为民众提供便利。同时混合商业房地产能提高更多的工作机会、住宅选择和有一个更适合步行的社区。</a:t>
             </a:r>
             <a:r>
-              <a:rPr lang="en-US" altLang="zh-CN" dirty="0"/>
+              <a:rPr lang="en-US" altLang="zh-CN" sz="2000" dirty="0">
+                <a:latin typeface="Microsoft YaHei" panose="020B0503020204020204" charset="-122"/>
+                <a:ea typeface="Microsoft YaHei" panose="020B0503020204020204" charset="-122"/>
+                <a:cs typeface="Microsoft YaHei" panose="020B0503020204020204" charset="-122"/>
+              </a:rPr>
               <a:t>Sacramento</a:t>
             </a:r>
             <a:r>
-              <a:rPr lang="zh-CN" altLang="en-US" dirty="0"/>
+              <a:rPr lang="zh-CN" altLang="en-US" sz="2000" dirty="0">
+                <a:latin typeface="Microsoft YaHei" panose="020B0503020204020204" charset="-122"/>
+                <a:ea typeface="Microsoft YaHei" panose="020B0503020204020204" charset="-122"/>
+                <a:cs typeface="Microsoft YaHei" panose="020B0503020204020204" charset="-122"/>
+              </a:rPr>
               <a:t>会在公共交通使用率上面临困难。</a:t>
             </a:r>
             <a:r>
-              <a:rPr lang="en-US" altLang="zh-CN" dirty="0"/>
+              <a:rPr lang="en-US" altLang="zh-CN" sz="2000" dirty="0">
+                <a:latin typeface="Microsoft YaHei" panose="020B0503020204020204" charset="-122"/>
+                <a:ea typeface="Microsoft YaHei" panose="020B0503020204020204" charset="-122"/>
+                <a:cs typeface="Microsoft YaHei" panose="020B0503020204020204" charset="-122"/>
+              </a:rPr>
               <a:t>Edinburgh</a:t>
             </a:r>
             <a:r>
-              <a:rPr lang="zh-CN" altLang="en-US" dirty="0"/>
+              <a:rPr lang="zh-CN" altLang="en-US" sz="2000" dirty="0">
+                <a:latin typeface="Microsoft YaHei" panose="020B0503020204020204" charset="-122"/>
+                <a:ea typeface="Microsoft YaHei" panose="020B0503020204020204" charset="-122"/>
+                <a:cs typeface="Microsoft YaHei" panose="020B0503020204020204" charset="-122"/>
+              </a:rPr>
               <a:t>是一个全面的智能城市，当然他也有可以提升</a:t>
             </a:r>
             <a:r>
-              <a:rPr lang="en-US" altLang="zh-CN" dirty="0"/>
+              <a:rPr lang="en-US" altLang="zh-CN" sz="2000" dirty="0">
+                <a:latin typeface="Microsoft YaHei" panose="020B0503020204020204" charset="-122"/>
+                <a:ea typeface="Microsoft YaHei" panose="020B0503020204020204" charset="-122"/>
+                <a:cs typeface="Microsoft YaHei" panose="020B0503020204020204" charset="-122"/>
+              </a:rPr>
               <a:t>SGI</a:t>
             </a:r>
             <a:r>
-              <a:rPr lang="zh-CN" altLang="en-US" dirty="0"/>
+              <a:rPr lang="zh-CN" altLang="en-US" sz="2000" dirty="0">
+                <a:latin typeface="Microsoft YaHei" panose="020B0503020204020204" charset="-122"/>
+                <a:ea typeface="Microsoft YaHei" panose="020B0503020204020204" charset="-122"/>
+                <a:cs typeface="Microsoft YaHei" panose="020B0503020204020204" charset="-122"/>
+              </a:rPr>
               <a:t>的地方。经过一系列的分析，这个模型对于两个城市提升的指标都有很明确的方向。</a:t>
             </a:r>
-            <a:endParaRPr lang="en-MY" dirty="0"/>
+            <a:endParaRPr lang="zh-CN" altLang="en-US" sz="2000" dirty="0">
+              <a:latin typeface="Microsoft YaHei" panose="020B0503020204020204" charset="-122"/>
+              <a:ea typeface="Microsoft YaHei" panose="020B0503020204020204" charset="-122"/>
+              <a:cs typeface="Microsoft YaHei" panose="020B0503020204020204" charset="-122"/>
+            </a:endParaRPr>
+          </a:p>
+        </p:txBody>
+      </p:sp>
+    </p:spTree>
+  </p:cSld>
+  <p:clrMapOvr>
+    <a:masterClrMapping/>
+  </p:clrMapOvr>
+</p:sld>
+</file>
+
+<file path=ppt/slides/slide9.xml><?xml version="1.0" encoding="utf-8"?>
+<p:sld xmlns:a="http://schemas.openxmlformats.org/drawingml/2006/main" xmlns:r="http://schemas.openxmlformats.org/officeDocument/2006/relationships" xmlns:p="http://schemas.openxmlformats.org/presentationml/2006/main">
+  <p:cSld>
+    <p:spTree>
+      <p:nvGrpSpPr>
+        <p:cNvPr id="1" name=""/>
+        <p:cNvGrpSpPr/>
+        <p:nvPr/>
+      </p:nvGrpSpPr>
+      <p:grpSpPr/>
+      <p:sp>
+        <p:nvSpPr>
+          <p:cNvPr id="3" name="Text Box 2"/>
+          <p:cNvSpPr txBox="1"/>
+          <p:nvPr/>
+        </p:nvSpPr>
+        <p:spPr>
+          <a:xfrm>
+            <a:off x="711200" y="456565"/>
+            <a:ext cx="10528935" cy="5565140"/>
+          </a:xfrm>
+          <a:prstGeom prst="rect">
+            <a:avLst/>
+          </a:prstGeom>
+          <a:noFill/>
+        </p:spPr>
+        <p:txBody>
+          <a:bodyPr wrap="square" rtlCol="0" anchor="t">
+            <a:noAutofit/>
+          </a:bodyPr>
+          <a:p>
+            <a:r>
+              <a:rPr lang="en-US" sz="4000" b="1">
+                <a:cs typeface="+mn-lt"/>
+              </a:rPr>
+              <a:t>Strengths of the Model</a:t>
+            </a:r>
+            <a:endParaRPr lang="en-US" sz="4000" b="1">
+              <a:cs typeface="+mn-lt"/>
+            </a:endParaRPr>
+          </a:p>
+          <a:p>
+            <a:endParaRPr lang="en-US" sz="2400">
+              <a:cs typeface="+mn-lt"/>
+            </a:endParaRPr>
+          </a:p>
+          <a:p>
+            <a:pPr marL="342900" indent="-342900">
+              <a:buFont typeface="Arial" panose="020B0604020202020204" pitchFamily="34" charset="0"/>
+              <a:buChar char="•"/>
+            </a:pPr>
+            <a:r>
+              <a:rPr lang="en-US" sz="2400" b="1">
+                <a:cs typeface="+mn-lt"/>
+              </a:rPr>
+              <a:t>Measuring Tool: </a:t>
+            </a:r>
+            <a:r>
+              <a:rPr lang="en-US" sz="2400">
+                <a:cs typeface="+mn-lt"/>
+              </a:rPr>
+              <a:t>The Smart Growth Index serves as an effective measuring tool for developing cities, providing a benchmark for cities implementing smart growth planning.</a:t>
+            </a:r>
+            <a:endParaRPr lang="en-US" sz="2400">
+              <a:cs typeface="+mn-lt"/>
+            </a:endParaRPr>
+          </a:p>
+          <a:p>
+            <a:pPr marL="342900" indent="-342900">
+              <a:buFont typeface="Arial" panose="020B0604020202020204" pitchFamily="34" charset="0"/>
+              <a:buChar char="•"/>
+            </a:pPr>
+            <a:r>
+              <a:rPr lang="en-US" sz="2400" b="1">
+                <a:cs typeface="+mn-lt"/>
+              </a:rPr>
+              <a:t>Accessibility: </a:t>
+            </a:r>
+            <a:r>
+              <a:rPr lang="en-US" sz="2400">
+                <a:cs typeface="+mn-lt"/>
+              </a:rPr>
+              <a:t>Any city with general population data and growth plans can use this model to calculate their SGI, making it accessible to a wide range of cities.</a:t>
+            </a:r>
+            <a:endParaRPr lang="en-US" sz="2400">
+              <a:cs typeface="+mn-lt"/>
+            </a:endParaRPr>
+          </a:p>
+          <a:p>
+            <a:pPr marL="342900" indent="-342900">
+              <a:buFont typeface="Arial" panose="020B0604020202020204" pitchFamily="34" charset="0"/>
+              <a:buChar char="•"/>
+            </a:pPr>
+            <a:r>
+              <a:rPr lang="en-US" sz="2400" b="1">
+                <a:cs typeface="+mn-lt"/>
+              </a:rPr>
+              <a:t>Robust and Adaptable: </a:t>
+            </a:r>
+            <a:r>
+              <a:rPr lang="en-US" sz="2400">
+                <a:cs typeface="+mn-lt"/>
+              </a:rPr>
+              <a:t>The normalization of parameters to regional values enhances the model's robustness and adaptability to different regions.</a:t>
+            </a:r>
+            <a:endParaRPr lang="en-US" sz="2400">
+              <a:cs typeface="+mn-lt"/>
+            </a:endParaRPr>
+          </a:p>
+          <a:p>
+            <a:pPr marL="342900" indent="-342900">
+              <a:buFont typeface="Arial" panose="020B0604020202020204" pitchFamily="34" charset="0"/>
+              <a:buChar char="•"/>
+            </a:pPr>
+            <a:r>
+              <a:rPr lang="en-US" sz="2400" b="1">
+                <a:cs typeface="+mn-lt"/>
+              </a:rPr>
+              <a:t>Simple Data Requirements: </a:t>
+            </a:r>
+            <a:r>
+              <a:rPr lang="en-US" sz="2400">
+                <a:cs typeface="+mn-lt"/>
+              </a:rPr>
+              <a:t>The model relies on simple measurements that can be easily obtained by both developed and developing cities.</a:t>
+            </a:r>
+            <a:endParaRPr lang="en-US" sz="2400">
+              <a:cs typeface="+mn-lt"/>
+            </a:endParaRPr>
+          </a:p>
+          <a:p>
+            <a:pPr marL="342900" indent="-342900">
+              <a:buFont typeface="Arial" panose="020B0604020202020204" pitchFamily="34" charset="0"/>
+              <a:buChar char="•"/>
+            </a:pPr>
+            <a:r>
+              <a:rPr lang="en-US" sz="2400" b="1">
+                <a:cs typeface="+mn-lt"/>
+              </a:rPr>
+              <a:t>User-Friendly: </a:t>
+            </a:r>
+            <a:r>
+              <a:rPr lang="en-US" sz="2400">
+                <a:cs typeface="+mn-lt"/>
+              </a:rPr>
+              <a:t>The model's simplicity makes it user-friendly and easy to use for city planners and policymakers.</a:t>
+            </a:r>
+            <a:endParaRPr lang="en-US" sz="2400">
+              <a:cs typeface="+mn-lt"/>
+            </a:endParaRPr>
           </a:p>
         </p:txBody>
       </p:sp>
